--- a/jsp/JSP_Servlet_강의_09강_JSP 본격적으로 살펴보기-I.pptx
+++ b/jsp/JSP_Servlet_강의_09강_JSP 본격적으로 살펴보기-I.pptx
@@ -212,7 +212,7 @@
             <a:fld id="{1EBA1ADC-3FB7-40DA-B2DE-355D9B030C78}" type="datetimeFigureOut">
               <a:rPr lang="ko-KR" altLang="en-US" smtClean="0"/>
               <a:pPr/>
-              <a:t>2021-11-05</a:t>
+              <a:t>2022-02-09</a:t>
             </a:fld>
             <a:endParaRPr lang="ko-KR" altLang="en-US"/>
           </a:p>
@@ -276,38 +276,37 @@
           <a:p>
             <a:pPr lvl="0"/>
             <a:r>
-              <a:rPr lang="ko-KR" altLang="en-US" smtClean="0"/>
+              <a:rPr lang="ko-KR" altLang="en-US"/>
               <a:t>마스터 텍스트 스타일을 편집합니다</a:t>
             </a:r>
           </a:p>
           <a:p>
             <a:pPr lvl="1"/>
             <a:r>
-              <a:rPr lang="ko-KR" altLang="en-US" smtClean="0"/>
+              <a:rPr lang="ko-KR" altLang="en-US"/>
               <a:t>둘째 수준</a:t>
             </a:r>
           </a:p>
           <a:p>
             <a:pPr lvl="2"/>
             <a:r>
-              <a:rPr lang="ko-KR" altLang="en-US" smtClean="0"/>
+              <a:rPr lang="ko-KR" altLang="en-US"/>
               <a:t>셋째 수준</a:t>
             </a:r>
           </a:p>
           <a:p>
             <a:pPr lvl="3"/>
             <a:r>
-              <a:rPr lang="ko-KR" altLang="en-US" smtClean="0"/>
+              <a:rPr lang="ko-KR" altLang="en-US"/>
               <a:t>넷째 수준</a:t>
             </a:r>
           </a:p>
           <a:p>
             <a:pPr lvl="4"/>
             <a:r>
-              <a:rPr lang="ko-KR" altLang="en-US" smtClean="0"/>
+              <a:rPr lang="ko-KR" altLang="en-US"/>
               <a:t>다섯째 수준</a:t>
             </a:r>
-            <a:endParaRPr lang="ko-KR" altLang="en-US"/>
           </a:p>
         </p:txBody>
       </p:sp>
@@ -523,10 +522,9 @@
           </a:lstStyle>
           <a:p>
             <a:r>
-              <a:rPr lang="ko-KR" altLang="en-US" smtClean="0"/>
+              <a:rPr lang="ko-KR" altLang="en-US"/>
               <a:t>마스터 제목 스타일 편집</a:t>
             </a:r>
-            <a:endParaRPr lang="ko-KR" altLang="en-US"/>
           </a:p>
         </p:txBody>
       </p:sp>
@@ -588,10 +586,9 @@
           </a:lstStyle>
           <a:p>
             <a:r>
-              <a:rPr lang="ko-KR" altLang="en-US" smtClean="0"/>
+              <a:rPr lang="ko-KR" altLang="en-US"/>
               <a:t>마스터 부제목 스타일 편집</a:t>
             </a:r>
-            <a:endParaRPr lang="ko-KR" altLang="en-US"/>
           </a:p>
         </p:txBody>
       </p:sp>
@@ -613,7 +610,7 @@
             <a:fld id="{245FE9EB-5882-4F14-9D7A-E43319FAAE5D}" type="datetime1">
               <a:rPr lang="ko-KR" altLang="en-US" smtClean="0"/>
               <a:pPr/>
-              <a:t>2021-11-05</a:t>
+              <a:t>2022-02-09</a:t>
             </a:fld>
             <a:endParaRPr lang="ko-KR" altLang="en-US"/>
           </a:p>
@@ -717,10 +714,9 @@
           </a:lstStyle>
           <a:p>
             <a:r>
-              <a:rPr lang="ko-KR" altLang="en-US" smtClean="0"/>
+              <a:rPr lang="ko-KR" altLang="en-US"/>
               <a:t>마스터 제목 스타일 편집</a:t>
             </a:r>
-            <a:endParaRPr lang="ko-KR" altLang="en-US"/>
           </a:p>
         </p:txBody>
       </p:sp>
@@ -844,7 +840,7 @@
           <a:p>
             <a:pPr lvl="0"/>
             <a:r>
-              <a:rPr lang="ko-KR" altLang="en-US" smtClean="0"/>
+              <a:rPr lang="ko-KR" altLang="en-US"/>
               <a:t>마스터 텍스트 스타일을 편집합니다</a:t>
             </a:r>
           </a:p>
@@ -868,7 +864,7 @@
             <a:fld id="{148E5BE4-290A-4A67-9142-8569AAC90C2F}" type="datetime1">
               <a:rPr lang="ko-KR" altLang="en-US" smtClean="0"/>
               <a:pPr/>
-              <a:t>2021-11-05</a:t>
+              <a:t>2022-02-09</a:t>
             </a:fld>
             <a:endParaRPr lang="ko-KR" altLang="en-US"/>
           </a:p>
@@ -963,10 +959,9 @@
           <a:lstStyle/>
           <a:p>
             <a:r>
-              <a:rPr lang="ko-KR" altLang="en-US" smtClean="0"/>
+              <a:rPr lang="ko-KR" altLang="en-US"/>
               <a:t>마스터 제목 스타일 편집</a:t>
             </a:r>
-            <a:endParaRPr lang="ko-KR" altLang="en-US"/>
           </a:p>
         </p:txBody>
       </p:sp>
@@ -987,38 +982,37 @@
           <a:p>
             <a:pPr lvl="0"/>
             <a:r>
-              <a:rPr lang="ko-KR" altLang="en-US" smtClean="0"/>
+              <a:rPr lang="ko-KR" altLang="en-US"/>
               <a:t>마스터 텍스트 스타일을 편집합니다</a:t>
             </a:r>
           </a:p>
           <a:p>
             <a:pPr lvl="1"/>
             <a:r>
-              <a:rPr lang="ko-KR" altLang="en-US" smtClean="0"/>
+              <a:rPr lang="ko-KR" altLang="en-US"/>
               <a:t>둘째 수준</a:t>
             </a:r>
           </a:p>
           <a:p>
             <a:pPr lvl="2"/>
             <a:r>
-              <a:rPr lang="ko-KR" altLang="en-US" smtClean="0"/>
+              <a:rPr lang="ko-KR" altLang="en-US"/>
               <a:t>셋째 수준</a:t>
             </a:r>
           </a:p>
           <a:p>
             <a:pPr lvl="3"/>
             <a:r>
-              <a:rPr lang="ko-KR" altLang="en-US" smtClean="0"/>
+              <a:rPr lang="ko-KR" altLang="en-US"/>
               <a:t>넷째 수준</a:t>
             </a:r>
           </a:p>
           <a:p>
             <a:pPr lvl="4"/>
             <a:r>
-              <a:rPr lang="ko-KR" altLang="en-US" smtClean="0"/>
+              <a:rPr lang="ko-KR" altLang="en-US"/>
               <a:t>다섯째 수준</a:t>
             </a:r>
-            <a:endParaRPr lang="ko-KR" altLang="en-US"/>
           </a:p>
         </p:txBody>
       </p:sp>
@@ -1040,7 +1034,7 @@
             <a:fld id="{AABD7AA9-974F-41EE-AA93-9A7D5FC26AF0}" type="datetime1">
               <a:rPr lang="ko-KR" altLang="en-US" smtClean="0"/>
               <a:pPr/>
-              <a:t>2021-11-05</a:t>
+              <a:t>2022-02-09</a:t>
             </a:fld>
             <a:endParaRPr lang="ko-KR" altLang="en-US"/>
           </a:p>
@@ -1140,10 +1134,9 @@
           <a:lstStyle/>
           <a:p>
             <a:r>
-              <a:rPr lang="ko-KR" altLang="en-US" smtClean="0"/>
+              <a:rPr lang="ko-KR" altLang="en-US"/>
               <a:t>마스터 제목 스타일 편집</a:t>
             </a:r>
-            <a:endParaRPr lang="ko-KR" altLang="en-US"/>
           </a:p>
         </p:txBody>
       </p:sp>
@@ -1169,38 +1162,37 @@
           <a:p>
             <a:pPr lvl="0"/>
             <a:r>
-              <a:rPr lang="ko-KR" altLang="en-US" smtClean="0"/>
+              <a:rPr lang="ko-KR" altLang="en-US"/>
               <a:t>마스터 텍스트 스타일을 편집합니다</a:t>
             </a:r>
           </a:p>
           <a:p>
             <a:pPr lvl="1"/>
             <a:r>
-              <a:rPr lang="ko-KR" altLang="en-US" smtClean="0"/>
+              <a:rPr lang="ko-KR" altLang="en-US"/>
               <a:t>둘째 수준</a:t>
             </a:r>
           </a:p>
           <a:p>
             <a:pPr lvl="2"/>
             <a:r>
-              <a:rPr lang="ko-KR" altLang="en-US" smtClean="0"/>
+              <a:rPr lang="ko-KR" altLang="en-US"/>
               <a:t>셋째 수준</a:t>
             </a:r>
           </a:p>
           <a:p>
             <a:pPr lvl="3"/>
             <a:r>
-              <a:rPr lang="ko-KR" altLang="en-US" smtClean="0"/>
+              <a:rPr lang="ko-KR" altLang="en-US"/>
               <a:t>넷째 수준</a:t>
             </a:r>
           </a:p>
           <a:p>
             <a:pPr lvl="4"/>
             <a:r>
-              <a:rPr lang="ko-KR" altLang="en-US" smtClean="0"/>
+              <a:rPr lang="ko-KR" altLang="en-US"/>
               <a:t>다섯째 수준</a:t>
             </a:r>
-            <a:endParaRPr lang="ko-KR" altLang="en-US"/>
           </a:p>
         </p:txBody>
       </p:sp>
@@ -1222,7 +1214,7 @@
             <a:fld id="{CA6778F7-13A7-47A7-A538-4854C83EAB76}" type="datetime1">
               <a:rPr lang="ko-KR" altLang="en-US" smtClean="0"/>
               <a:pPr/>
-              <a:t>2021-11-05</a:t>
+              <a:t>2022-02-09</a:t>
             </a:fld>
             <a:endParaRPr lang="ko-KR" altLang="en-US"/>
           </a:p>
@@ -1317,10 +1309,9 @@
           <a:lstStyle/>
           <a:p>
             <a:r>
-              <a:rPr lang="ko-KR" altLang="en-US" smtClean="0"/>
+              <a:rPr lang="ko-KR" altLang="en-US"/>
               <a:t>마스터 제목 스타일 편집</a:t>
             </a:r>
-            <a:endParaRPr lang="ko-KR" altLang="en-US"/>
           </a:p>
         </p:txBody>
       </p:sp>
@@ -1341,38 +1332,37 @@
           <a:p>
             <a:pPr lvl="0"/>
             <a:r>
-              <a:rPr lang="ko-KR" altLang="en-US" smtClean="0"/>
+              <a:rPr lang="ko-KR" altLang="en-US"/>
               <a:t>마스터 텍스트 스타일을 편집합니다</a:t>
             </a:r>
           </a:p>
           <a:p>
             <a:pPr lvl="1"/>
             <a:r>
-              <a:rPr lang="ko-KR" altLang="en-US" smtClean="0"/>
+              <a:rPr lang="ko-KR" altLang="en-US"/>
               <a:t>둘째 수준</a:t>
             </a:r>
           </a:p>
           <a:p>
             <a:pPr lvl="2"/>
             <a:r>
-              <a:rPr lang="ko-KR" altLang="en-US" smtClean="0"/>
+              <a:rPr lang="ko-KR" altLang="en-US"/>
               <a:t>셋째 수준</a:t>
             </a:r>
           </a:p>
           <a:p>
             <a:pPr lvl="3"/>
             <a:r>
-              <a:rPr lang="ko-KR" altLang="en-US" smtClean="0"/>
+              <a:rPr lang="ko-KR" altLang="en-US"/>
               <a:t>넷째 수준</a:t>
             </a:r>
           </a:p>
           <a:p>
             <a:pPr lvl="4"/>
             <a:r>
-              <a:rPr lang="ko-KR" altLang="en-US" smtClean="0"/>
+              <a:rPr lang="ko-KR" altLang="en-US"/>
               <a:t>다섯째 수준</a:t>
             </a:r>
-            <a:endParaRPr lang="ko-KR" altLang="en-US"/>
           </a:p>
         </p:txBody>
       </p:sp>
@@ -1394,7 +1384,7 @@
             <a:fld id="{97E9BB34-6711-40F2-9C7B-47A61743D4AD}" type="datetime1">
               <a:rPr lang="ko-KR" altLang="en-US" smtClean="0"/>
               <a:pPr/>
-              <a:t>2021-11-05</a:t>
+              <a:t>2022-02-09</a:t>
             </a:fld>
             <a:endParaRPr lang="ko-KR" altLang="en-US"/>
           </a:p>
@@ -1498,10 +1488,9 @@
           </a:lstStyle>
           <a:p>
             <a:r>
-              <a:rPr lang="ko-KR" altLang="en-US" smtClean="0"/>
+              <a:rPr lang="ko-KR" altLang="en-US"/>
               <a:t>마스터 제목 스타일 편집</a:t>
             </a:r>
-            <a:endParaRPr lang="ko-KR" altLang="en-US"/>
           </a:p>
         </p:txBody>
       </p:sp>
@@ -1618,7 +1607,7 @@
           <a:p>
             <a:pPr lvl="0"/>
             <a:r>
-              <a:rPr lang="ko-KR" altLang="en-US" smtClean="0"/>
+              <a:rPr lang="ko-KR" altLang="en-US"/>
               <a:t>마스터 텍스트 스타일을 편집합니다</a:t>
             </a:r>
           </a:p>
@@ -1642,7 +1631,7 @@
             <a:fld id="{01BE0FF5-5FAF-43AE-9E0C-CC3EA1B81862}" type="datetime1">
               <a:rPr lang="ko-KR" altLang="en-US" smtClean="0"/>
               <a:pPr/>
-              <a:t>2021-11-05</a:t>
+              <a:t>2022-02-09</a:t>
             </a:fld>
             <a:endParaRPr lang="ko-KR" altLang="en-US"/>
           </a:p>
@@ -1737,10 +1726,9 @@
           <a:lstStyle/>
           <a:p>
             <a:r>
-              <a:rPr lang="ko-KR" altLang="en-US" smtClean="0"/>
+              <a:rPr lang="ko-KR" altLang="en-US"/>
               <a:t>마스터 제목 스타일 편집</a:t>
             </a:r>
-            <a:endParaRPr lang="ko-KR" altLang="en-US"/>
           </a:p>
         </p:txBody>
       </p:sp>
@@ -1766,38 +1754,37 @@
           <a:p>
             <a:pPr lvl="0"/>
             <a:r>
-              <a:rPr lang="ko-KR" altLang="en-US" smtClean="0"/>
+              <a:rPr lang="ko-KR" altLang="en-US"/>
               <a:t>마스터 텍스트 스타일을 편집합니다</a:t>
             </a:r>
           </a:p>
           <a:p>
             <a:pPr lvl="1"/>
             <a:r>
-              <a:rPr lang="ko-KR" altLang="en-US" smtClean="0"/>
+              <a:rPr lang="ko-KR" altLang="en-US"/>
               <a:t>둘째 수준</a:t>
             </a:r>
           </a:p>
           <a:p>
             <a:pPr lvl="2"/>
             <a:r>
-              <a:rPr lang="ko-KR" altLang="en-US" smtClean="0"/>
+              <a:rPr lang="ko-KR" altLang="en-US"/>
               <a:t>셋째 수준</a:t>
             </a:r>
           </a:p>
           <a:p>
             <a:pPr lvl="3"/>
             <a:r>
-              <a:rPr lang="ko-KR" altLang="en-US" smtClean="0"/>
+              <a:rPr lang="ko-KR" altLang="en-US"/>
               <a:t>넷째 수준</a:t>
             </a:r>
           </a:p>
           <a:p>
             <a:pPr lvl="4"/>
             <a:r>
-              <a:rPr lang="ko-KR" altLang="en-US" smtClean="0"/>
+              <a:rPr lang="ko-KR" altLang="en-US"/>
               <a:t>다섯째 수준</a:t>
             </a:r>
-            <a:endParaRPr lang="ko-KR" altLang="en-US"/>
           </a:p>
         </p:txBody>
       </p:sp>
@@ -1823,38 +1810,37 @@
           <a:p>
             <a:pPr lvl="0"/>
             <a:r>
-              <a:rPr lang="ko-KR" altLang="en-US" smtClean="0"/>
+              <a:rPr lang="ko-KR" altLang="en-US"/>
               <a:t>마스터 텍스트 스타일을 편집합니다</a:t>
             </a:r>
           </a:p>
           <a:p>
             <a:pPr lvl="1"/>
             <a:r>
-              <a:rPr lang="ko-KR" altLang="en-US" smtClean="0"/>
+              <a:rPr lang="ko-KR" altLang="en-US"/>
               <a:t>둘째 수준</a:t>
             </a:r>
           </a:p>
           <a:p>
             <a:pPr lvl="2"/>
             <a:r>
-              <a:rPr lang="ko-KR" altLang="en-US" smtClean="0"/>
+              <a:rPr lang="ko-KR" altLang="en-US"/>
               <a:t>셋째 수준</a:t>
             </a:r>
           </a:p>
           <a:p>
             <a:pPr lvl="3"/>
             <a:r>
-              <a:rPr lang="ko-KR" altLang="en-US" smtClean="0"/>
+              <a:rPr lang="ko-KR" altLang="en-US"/>
               <a:t>넷째 수준</a:t>
             </a:r>
           </a:p>
           <a:p>
             <a:pPr lvl="4"/>
             <a:r>
-              <a:rPr lang="ko-KR" altLang="en-US" smtClean="0"/>
+              <a:rPr lang="ko-KR" altLang="en-US"/>
               <a:t>다섯째 수준</a:t>
             </a:r>
-            <a:endParaRPr lang="ko-KR" altLang="en-US"/>
           </a:p>
         </p:txBody>
       </p:sp>
@@ -1876,7 +1862,7 @@
             <a:fld id="{DAF9AB40-AB99-4455-AC5A-01B404C2C00C}" type="datetime1">
               <a:rPr lang="ko-KR" altLang="en-US" smtClean="0"/>
               <a:pPr/>
-              <a:t>2021-11-05</a:t>
+              <a:t>2022-02-09</a:t>
             </a:fld>
             <a:endParaRPr lang="ko-KR" altLang="en-US"/>
           </a:p>
@@ -1976,10 +1962,9 @@
           <a:lstStyle/>
           <a:p>
             <a:r>
-              <a:rPr lang="ko-KR" altLang="en-US" smtClean="0"/>
+              <a:rPr lang="ko-KR" altLang="en-US"/>
               <a:t>마스터 제목 스타일 편집</a:t>
             </a:r>
-            <a:endParaRPr lang="ko-KR" altLang="en-US"/>
           </a:p>
         </p:txBody>
       </p:sp>
@@ -2042,7 +2027,7 @@
           <a:p>
             <a:pPr lvl="0"/>
             <a:r>
-              <a:rPr lang="ko-KR" altLang="en-US" smtClean="0"/>
+              <a:rPr lang="ko-KR" altLang="en-US"/>
               <a:t>마스터 텍스트 스타일을 편집합니다</a:t>
             </a:r>
           </a:p>
@@ -2070,38 +2055,37 @@
           <a:p>
             <a:pPr lvl="0"/>
             <a:r>
-              <a:rPr lang="ko-KR" altLang="en-US" smtClean="0"/>
+              <a:rPr lang="ko-KR" altLang="en-US"/>
               <a:t>마스터 텍스트 스타일을 편집합니다</a:t>
             </a:r>
           </a:p>
           <a:p>
             <a:pPr lvl="1"/>
             <a:r>
-              <a:rPr lang="ko-KR" altLang="en-US" smtClean="0"/>
+              <a:rPr lang="ko-KR" altLang="en-US"/>
               <a:t>둘째 수준</a:t>
             </a:r>
           </a:p>
           <a:p>
             <a:pPr lvl="2"/>
             <a:r>
-              <a:rPr lang="ko-KR" altLang="en-US" smtClean="0"/>
+              <a:rPr lang="ko-KR" altLang="en-US"/>
               <a:t>셋째 수준</a:t>
             </a:r>
           </a:p>
           <a:p>
             <a:pPr lvl="3"/>
             <a:r>
-              <a:rPr lang="ko-KR" altLang="en-US" smtClean="0"/>
+              <a:rPr lang="ko-KR" altLang="en-US"/>
               <a:t>넷째 수준</a:t>
             </a:r>
           </a:p>
           <a:p>
             <a:pPr lvl="4"/>
             <a:r>
-              <a:rPr lang="ko-KR" altLang="en-US" smtClean="0"/>
+              <a:rPr lang="ko-KR" altLang="en-US"/>
               <a:t>다섯째 수준</a:t>
             </a:r>
-            <a:endParaRPr lang="ko-KR" altLang="en-US"/>
           </a:p>
         </p:txBody>
       </p:sp>
@@ -2164,7 +2148,7 @@
           <a:p>
             <a:pPr lvl="0"/>
             <a:r>
-              <a:rPr lang="ko-KR" altLang="en-US" smtClean="0"/>
+              <a:rPr lang="ko-KR" altLang="en-US"/>
               <a:t>마스터 텍스트 스타일을 편집합니다</a:t>
             </a:r>
           </a:p>
@@ -2192,38 +2176,37 @@
           <a:p>
             <a:pPr lvl="0"/>
             <a:r>
-              <a:rPr lang="ko-KR" altLang="en-US" smtClean="0"/>
+              <a:rPr lang="ko-KR" altLang="en-US"/>
               <a:t>마스터 텍스트 스타일을 편집합니다</a:t>
             </a:r>
           </a:p>
           <a:p>
             <a:pPr lvl="1"/>
             <a:r>
-              <a:rPr lang="ko-KR" altLang="en-US" smtClean="0"/>
+              <a:rPr lang="ko-KR" altLang="en-US"/>
               <a:t>둘째 수준</a:t>
             </a:r>
           </a:p>
           <a:p>
             <a:pPr lvl="2"/>
             <a:r>
-              <a:rPr lang="ko-KR" altLang="en-US" smtClean="0"/>
+              <a:rPr lang="ko-KR" altLang="en-US"/>
               <a:t>셋째 수준</a:t>
             </a:r>
           </a:p>
           <a:p>
             <a:pPr lvl="3"/>
             <a:r>
-              <a:rPr lang="ko-KR" altLang="en-US" smtClean="0"/>
+              <a:rPr lang="ko-KR" altLang="en-US"/>
               <a:t>넷째 수준</a:t>
             </a:r>
           </a:p>
           <a:p>
             <a:pPr lvl="4"/>
             <a:r>
-              <a:rPr lang="ko-KR" altLang="en-US" smtClean="0"/>
+              <a:rPr lang="ko-KR" altLang="en-US"/>
               <a:t>다섯째 수준</a:t>
             </a:r>
-            <a:endParaRPr lang="ko-KR" altLang="en-US"/>
           </a:p>
         </p:txBody>
       </p:sp>
@@ -2245,7 +2228,7 @@
             <a:fld id="{0E3C0ECE-794B-4B99-8E02-3BB1152032F2}" type="datetime1">
               <a:rPr lang="ko-KR" altLang="en-US" smtClean="0"/>
               <a:pPr/>
-              <a:t>2021-11-05</a:t>
+              <a:t>2022-02-09</a:t>
             </a:fld>
             <a:endParaRPr lang="ko-KR" altLang="en-US"/>
           </a:p>
@@ -2340,10 +2323,9 @@
           <a:lstStyle/>
           <a:p>
             <a:r>
-              <a:rPr lang="ko-KR" altLang="en-US" smtClean="0"/>
+              <a:rPr lang="ko-KR" altLang="en-US"/>
               <a:t>마스터 제목 스타일 편집</a:t>
             </a:r>
-            <a:endParaRPr lang="ko-KR" altLang="en-US"/>
           </a:p>
         </p:txBody>
       </p:sp>
@@ -2365,7 +2347,7 @@
             <a:fld id="{0F75503B-EE7A-4049-8A0E-70C0A8C6708E}" type="datetime1">
               <a:rPr lang="ko-KR" altLang="en-US" smtClean="0"/>
               <a:pPr/>
-              <a:t>2021-11-05</a:t>
+              <a:t>2022-02-09</a:t>
             </a:fld>
             <a:endParaRPr lang="ko-KR" altLang="en-US"/>
           </a:p>
@@ -2783,13 +2765,6 @@
   <p:clrMapOvr>
     <a:masterClrMapping/>
   </p:clrMapOvr>
-  <p:timing>
-    <p:tnLst>
-      <p:par>
-        <p:cTn id="1" dur="indefinite" restart="never" nodeType="tmRoot"/>
-      </p:par>
-    </p:tnLst>
-  </p:timing>
 </p:sldLayout>
 </file>
 
@@ -2890,7 +2865,7 @@
           <a:p>
             <a:pPr algn="r"/>
             <a:r>
-              <a:rPr lang="en-US" altLang="ko-KR" sz="1600" kern="1200" dirty="0" smtClean="0">
+              <a:rPr lang="en-US" altLang="ko-KR" sz="1600" kern="1200" dirty="0">
                 <a:solidFill>
                   <a:schemeClr val="tx1"/>
                 </a:solidFill>
@@ -2902,7 +2877,7 @@
               <a:t>9</a:t>
             </a:r>
             <a:r>
-              <a:rPr lang="ko-KR" altLang="en-US" sz="1600" kern="1200" dirty="0" smtClean="0">
+              <a:rPr lang="ko-KR" altLang="en-US" sz="1600" kern="1200" dirty="0">
                 <a:solidFill>
                   <a:schemeClr val="tx1"/>
                 </a:solidFill>
@@ -2914,7 +2889,7 @@
               <a:t>강</a:t>
             </a:r>
             <a:r>
-              <a:rPr lang="en-US" altLang="ko-KR" sz="1600" kern="1200" dirty="0" smtClean="0">
+              <a:rPr lang="en-US" altLang="ko-KR" sz="1600" kern="1200" dirty="0">
                 <a:solidFill>
                   <a:schemeClr val="tx1"/>
                 </a:solidFill>
@@ -2926,7 +2901,7 @@
               <a:t>.</a:t>
             </a:r>
             <a:r>
-              <a:rPr lang="en-US" altLang="ko-KR" sz="1600" kern="1200" baseline="0" dirty="0" smtClean="0">
+              <a:rPr lang="en-US" altLang="ko-KR" sz="1600" kern="1200" baseline="0" dirty="0">
                 <a:solidFill>
                   <a:schemeClr val="tx1"/>
                 </a:solidFill>
@@ -2938,7 +2913,7 @@
               <a:t> JSP </a:t>
             </a:r>
             <a:r>
-              <a:rPr lang="ko-KR" altLang="en-US" sz="1600" kern="1200" baseline="0" dirty="0" smtClean="0">
+              <a:rPr lang="ko-KR" altLang="en-US" sz="1600" kern="1200" baseline="0" dirty="0">
                 <a:solidFill>
                   <a:schemeClr val="tx1"/>
                 </a:solidFill>
@@ -2950,7 +2925,7 @@
               <a:t>본격적으로 살펴보기</a:t>
             </a:r>
             <a:r>
-              <a:rPr lang="en-US" altLang="ko-KR" sz="1600" kern="1200" baseline="0" dirty="0" smtClean="0">
+              <a:rPr lang="en-US" altLang="ko-KR" sz="1600" kern="1200" baseline="0" dirty="0">
                 <a:solidFill>
                   <a:schemeClr val="tx1"/>
                 </a:solidFill>
@@ -3079,7 +3054,7 @@
             <a:fld id="{9E6BA691-BC9B-4A68-9744-1B809170C141}" type="datetime1">
               <a:rPr lang="ko-KR" altLang="en-US" smtClean="0"/>
               <a:pPr/>
-              <a:t>2021-11-05</a:t>
+              <a:t>2022-02-09</a:t>
             </a:fld>
             <a:endParaRPr lang="ko-KR" altLang="en-US"/>
           </a:p>
@@ -3148,13 +3123,6 @@
   <p:clrMapOvr>
     <a:masterClrMapping/>
   </p:clrMapOvr>
-  <p:timing>
-    <p:tnLst>
-      <p:par>
-        <p:cTn id="1" dur="indefinite" restart="never" nodeType="tmRoot"/>
-      </p:par>
-    </p:tnLst>
-  </p:timing>
 </p:sldLayout>
 </file>
 
@@ -3200,10 +3168,9 @@
           </a:lstStyle>
           <a:p>
             <a:r>
-              <a:rPr lang="ko-KR" altLang="en-US" smtClean="0"/>
+              <a:rPr lang="ko-KR" altLang="en-US"/>
               <a:t>마스터 제목 스타일 편집</a:t>
             </a:r>
-            <a:endParaRPr lang="ko-KR" altLang="en-US"/>
           </a:p>
         </p:txBody>
       </p:sp>
@@ -3257,38 +3224,37 @@
           <a:p>
             <a:pPr lvl="0"/>
             <a:r>
-              <a:rPr lang="ko-KR" altLang="en-US" smtClean="0"/>
+              <a:rPr lang="ko-KR" altLang="en-US"/>
               <a:t>마스터 텍스트 스타일을 편집합니다</a:t>
             </a:r>
           </a:p>
           <a:p>
             <a:pPr lvl="1"/>
             <a:r>
-              <a:rPr lang="ko-KR" altLang="en-US" smtClean="0"/>
+              <a:rPr lang="ko-KR" altLang="en-US"/>
               <a:t>둘째 수준</a:t>
             </a:r>
           </a:p>
           <a:p>
             <a:pPr lvl="2"/>
             <a:r>
-              <a:rPr lang="ko-KR" altLang="en-US" smtClean="0"/>
+              <a:rPr lang="ko-KR" altLang="en-US"/>
               <a:t>셋째 수준</a:t>
             </a:r>
           </a:p>
           <a:p>
             <a:pPr lvl="3"/>
             <a:r>
-              <a:rPr lang="ko-KR" altLang="en-US" smtClean="0"/>
+              <a:rPr lang="ko-KR" altLang="en-US"/>
               <a:t>넷째 수준</a:t>
             </a:r>
           </a:p>
           <a:p>
             <a:pPr lvl="4"/>
             <a:r>
-              <a:rPr lang="ko-KR" altLang="en-US" smtClean="0"/>
+              <a:rPr lang="ko-KR" altLang="en-US"/>
               <a:t>다섯째 수준</a:t>
             </a:r>
-            <a:endParaRPr lang="ko-KR" altLang="en-US"/>
           </a:p>
         </p:txBody>
       </p:sp>
@@ -3351,7 +3317,7 @@
           <a:p>
             <a:pPr lvl="0"/>
             <a:r>
-              <a:rPr lang="ko-KR" altLang="en-US" smtClean="0"/>
+              <a:rPr lang="ko-KR" altLang="en-US"/>
               <a:t>마스터 텍스트 스타일을 편집합니다</a:t>
             </a:r>
           </a:p>
@@ -3375,7 +3341,7 @@
             <a:fld id="{BB5D5985-9155-4A4F-A545-EFF2E5BDFE10}" type="datetime1">
               <a:rPr lang="ko-KR" altLang="en-US" smtClean="0"/>
               <a:pPr/>
-              <a:t>2021-11-05</a:t>
+              <a:t>2022-02-09</a:t>
             </a:fld>
             <a:endParaRPr lang="ko-KR" altLang="en-US"/>
           </a:p>
@@ -3434,13 +3400,6 @@
   <p:clrMapOvr>
     <a:masterClrMapping/>
   </p:clrMapOvr>
-  <p:timing>
-    <p:tnLst>
-      <p:par>
-        <p:cTn id="1" dur="indefinite" restart="never" nodeType="tmRoot"/>
-      </p:par>
-    </p:tnLst>
-  </p:timing>
 </p:sldLayout>
 </file>
 
@@ -3492,10 +3451,9 @@
           <a:lstStyle/>
           <a:p>
             <a:r>
-              <a:rPr lang="ko-KR" altLang="en-US" smtClean="0"/>
+              <a:rPr lang="ko-KR" altLang="en-US"/>
               <a:t>마스터 제목 스타일 편집</a:t>
             </a:r>
-            <a:endParaRPr lang="ko-KR" altLang="en-US"/>
           </a:p>
         </p:txBody>
       </p:sp>
@@ -3526,38 +3484,37 @@
           <a:p>
             <a:pPr lvl="0"/>
             <a:r>
-              <a:rPr lang="ko-KR" altLang="en-US" smtClean="0"/>
+              <a:rPr lang="ko-KR" altLang="en-US"/>
               <a:t>마스터 텍스트 스타일을 편집합니다</a:t>
             </a:r>
           </a:p>
           <a:p>
             <a:pPr lvl="1"/>
             <a:r>
-              <a:rPr lang="ko-KR" altLang="en-US" smtClean="0"/>
+              <a:rPr lang="ko-KR" altLang="en-US"/>
               <a:t>둘째 수준</a:t>
             </a:r>
           </a:p>
           <a:p>
             <a:pPr lvl="2"/>
             <a:r>
-              <a:rPr lang="ko-KR" altLang="en-US" smtClean="0"/>
+              <a:rPr lang="ko-KR" altLang="en-US"/>
               <a:t>셋째 수준</a:t>
             </a:r>
           </a:p>
           <a:p>
             <a:pPr lvl="3"/>
             <a:r>
-              <a:rPr lang="ko-KR" altLang="en-US" smtClean="0"/>
+              <a:rPr lang="ko-KR" altLang="en-US"/>
               <a:t>넷째 수준</a:t>
             </a:r>
           </a:p>
           <a:p>
             <a:pPr lvl="4"/>
             <a:r>
-              <a:rPr lang="ko-KR" altLang="en-US" smtClean="0"/>
+              <a:rPr lang="ko-KR" altLang="en-US"/>
               <a:t>다섯째 수준</a:t>
             </a:r>
-            <a:endParaRPr lang="ko-KR" altLang="en-US"/>
           </a:p>
         </p:txBody>
       </p:sp>
@@ -3597,7 +3554,7 @@
             <a:fld id="{F5078468-8E36-4528-8629-5ECE6BEC95B9}" type="datetime1">
               <a:rPr lang="ko-KR" altLang="en-US" smtClean="0"/>
               <a:pPr/>
-              <a:t>2021-11-05</a:t>
+              <a:t>2022-02-09</a:t>
             </a:fld>
             <a:endParaRPr lang="ko-KR" altLang="en-US"/>
           </a:p>
@@ -3704,13 +3661,6 @@
     <p:sldLayoutId id="2147483658" r:id="rId11"/>
     <p:sldLayoutId id="2147483659" r:id="rId12"/>
   </p:sldLayoutIdLst>
-  <p:timing>
-    <p:tnLst>
-      <p:par>
-        <p:cTn id="1" dur="indefinite" restart="never" nodeType="tmRoot"/>
-      </p:par>
-    </p:tnLst>
-  </p:timing>
   <p:hf hdr="0" ftr="0" dt="0"/>
   <p:txStyles>
     <p:titleStyle>
@@ -4035,7 +3985,7 @@
           <a:lstStyle/>
           <a:p>
             <a:r>
-              <a:rPr lang="en-US" altLang="ko-KR" sz="2000" spc="-150" dirty="0" smtClean="0">
+              <a:rPr lang="en-US" altLang="ko-KR" sz="2000" spc="-150" dirty="0">
                 <a:solidFill>
                   <a:srgbClr val="0070C0"/>
                 </a:solidFill>
@@ -4043,26 +3993,6 @@
                 <a:ea typeface="+mj-ea"/>
               </a:rPr>
               <a:t>9</a:t>
-            </a:r>
-            <a:r>
-              <a:rPr lang="ko-KR" altLang="en-US" sz="2000" spc="-150" dirty="0" smtClean="0">
-                <a:solidFill>
-                  <a:srgbClr val="0070C0"/>
-                </a:solidFill>
-                <a:latin typeface="+mj-ea"/>
-                <a:ea typeface="+mj-ea"/>
-              </a:rPr>
-              <a:t>강</a:t>
-            </a:r>
-            <a:r>
-              <a:rPr lang="en-US" altLang="ko-KR" sz="2000" spc="-150" dirty="0" smtClean="0">
-                <a:solidFill>
-                  <a:srgbClr val="0070C0"/>
-                </a:solidFill>
-                <a:latin typeface="+mj-ea"/>
-                <a:ea typeface="+mj-ea"/>
-              </a:rPr>
-              <a:t>. JSP </a:t>
             </a:r>
             <a:r>
               <a:rPr lang="ko-KR" altLang="en-US" sz="2000" spc="-150" dirty="0">
@@ -4072,20 +4002,30 @@
                 <a:latin typeface="+mj-ea"/>
                 <a:ea typeface="+mj-ea"/>
               </a:rPr>
-              <a:t>본격적으로 </a:t>
-            </a:r>
-            <a:r>
-              <a:rPr lang="ko-KR" altLang="en-US" sz="2000" spc="-150" dirty="0" smtClean="0">
+              <a:t>강</a:t>
+            </a:r>
+            <a:r>
+              <a:rPr lang="en-US" altLang="ko-KR" sz="2000" spc="-150" dirty="0">
                 <a:solidFill>
                   <a:srgbClr val="0070C0"/>
                 </a:solidFill>
                 <a:latin typeface="+mj-ea"/>
                 <a:ea typeface="+mj-ea"/>
               </a:rPr>
-              <a:t>살펴보기</a:t>
-            </a:r>
-            <a:r>
-              <a:rPr lang="en-US" altLang="ko-KR" sz="2000" spc="-150" dirty="0" smtClean="0">
+              <a:t>. JSP </a:t>
+            </a:r>
+            <a:r>
+              <a:rPr lang="ko-KR" altLang="en-US" sz="2000" spc="-150" dirty="0">
+                <a:solidFill>
+                  <a:srgbClr val="0070C0"/>
+                </a:solidFill>
+                <a:latin typeface="+mj-ea"/>
+                <a:ea typeface="+mj-ea"/>
+              </a:rPr>
+              <a:t>본격적으로 살펴보기</a:t>
+            </a:r>
+            <a:r>
+              <a:rPr lang="en-US" altLang="ko-KR" sz="2000" spc="-150" dirty="0">
                 <a:solidFill>
                   <a:srgbClr val="0070C0"/>
                 </a:solidFill>
@@ -4131,7 +4071,7 @@
               <a:buChar char="-"/>
             </a:pPr>
             <a:r>
-              <a:rPr lang="en-US" altLang="ko-KR" sz="1200" dirty="0" smtClean="0">
+              <a:rPr lang="en-US" altLang="ko-KR" sz="1200" dirty="0">
                 <a:solidFill>
                   <a:schemeClr val="tx1">
                     <a:lumMod val="65000"/>
@@ -4152,21 +4092,9 @@
                 </a:solidFill>
                 <a:latin typeface="+mn-ea"/>
               </a:rPr>
-              <a:t>태그의 개념 </a:t>
-            </a:r>
-            <a:r>
-              <a:rPr lang="ko-KR" altLang="en-US" sz="1200" dirty="0" smtClean="0">
-                <a:solidFill>
-                  <a:schemeClr val="tx1">
-                    <a:lumMod val="65000"/>
-                    <a:lumOff val="35000"/>
-                  </a:schemeClr>
-                </a:solidFill>
-                <a:latin typeface="+mn-ea"/>
-              </a:rPr>
-              <a:t>이해</a:t>
-            </a:r>
-            <a:endParaRPr lang="en-US" altLang="ko-KR" sz="1200" dirty="0" smtClean="0">
+              <a:t>태그의 개념 이해</a:t>
+            </a:r>
+            <a:endParaRPr lang="en-US" altLang="ko-KR" sz="1200" dirty="0">
               <a:solidFill>
                 <a:schemeClr val="tx1">
                   <a:lumMod val="65000"/>
@@ -4182,7 +4110,7 @@
               <a:buChar char="-"/>
             </a:pPr>
             <a:r>
-              <a:rPr lang="en-US" altLang="ko-KR" sz="1200" dirty="0" smtClean="0">
+              <a:rPr lang="en-US" altLang="ko-KR" sz="1200" dirty="0">
                 <a:solidFill>
                   <a:schemeClr val="tx1">
                     <a:lumMod val="65000"/>
@@ -4203,21 +4131,9 @@
                 </a:solidFill>
                 <a:latin typeface="+mn-ea"/>
               </a:rPr>
-              <a:t>동작 </a:t>
-            </a:r>
-            <a:r>
-              <a:rPr lang="ko-KR" altLang="en-US" sz="1200" dirty="0" smtClean="0">
-                <a:solidFill>
-                  <a:schemeClr val="tx1">
-                    <a:lumMod val="65000"/>
-                    <a:lumOff val="35000"/>
-                  </a:schemeClr>
-                </a:solidFill>
-                <a:latin typeface="+mn-ea"/>
-              </a:rPr>
-              <a:t>원리</a:t>
-            </a:r>
-            <a:endParaRPr lang="en-US" altLang="ko-KR" sz="1200" dirty="0" smtClean="0">
+              <a:t>동작 원리</a:t>
+            </a:r>
+            <a:endParaRPr lang="en-US" altLang="ko-KR" sz="1200" dirty="0">
               <a:solidFill>
                 <a:schemeClr val="tx1">
                   <a:lumMod val="65000"/>
@@ -4233,7 +4149,7 @@
               <a:buChar char="-"/>
             </a:pPr>
             <a:r>
-              <a:rPr lang="en-US" altLang="ko-KR" sz="1200" dirty="0" smtClean="0">
+              <a:rPr lang="en-US" altLang="ko-KR" sz="1200" dirty="0">
                 <a:solidFill>
                   <a:schemeClr val="tx1">
                     <a:lumMod val="65000"/>
@@ -4269,13 +4185,6 @@
   <p:clrMapOvr>
     <a:masterClrMapping/>
   </p:clrMapOvr>
-  <p:timing>
-    <p:tnLst>
-      <p:par>
-        <p:cTn id="1" dur="indefinite" restart="never" nodeType="tmRoot"/>
-      </p:par>
-    </p:tnLst>
-  </p:timing>
 </p:sld>
 </file>
 
@@ -4319,7 +4228,7 @@
           <a:lstStyle/>
           <a:p>
             <a:r>
-              <a:rPr lang="en-US" altLang="ko-KR" sz="1600" b="1" kern="1200" dirty="0" smtClean="0">
+              <a:rPr lang="en-US" altLang="ko-KR" sz="1600" b="1" kern="1200" dirty="0">
                 <a:solidFill>
                   <a:schemeClr val="tx1"/>
                 </a:solidFill>
@@ -4330,7 +4239,7 @@
               <a:t>9-1.</a:t>
             </a:r>
             <a:r>
-              <a:rPr lang="en-US" altLang="ko-KR" sz="1600" b="1" kern="1200" baseline="0" dirty="0" smtClean="0">
+              <a:rPr lang="en-US" altLang="ko-KR" sz="1600" b="1" kern="1200" baseline="0" dirty="0">
                 <a:solidFill>
                   <a:schemeClr val="tx1"/>
                 </a:solidFill>
@@ -4444,97 +4353,97 @@
           <a:lstStyle/>
           <a:p>
             <a:r>
-              <a:rPr lang="en-US" altLang="ko-KR" sz="1100" dirty="0" smtClean="0">
+              <a:rPr lang="en-US" altLang="ko-KR" sz="1100" dirty="0">
                 <a:latin typeface="+mn-ea"/>
               </a:rPr>
               <a:t>Servlet</a:t>
             </a:r>
             <a:r>
-              <a:rPr lang="ko-KR" altLang="en-US" sz="1100" dirty="0" smtClean="0">
+              <a:rPr lang="ko-KR" altLang="en-US" sz="1100" dirty="0">
                 <a:latin typeface="+mn-ea"/>
               </a:rPr>
               <a:t>은 </a:t>
             </a:r>
             <a:r>
-              <a:rPr lang="en-US" altLang="ko-KR" sz="1100" dirty="0" smtClean="0">
+              <a:rPr lang="en-US" altLang="ko-KR" sz="1100" dirty="0">
                 <a:latin typeface="+mn-ea"/>
               </a:rPr>
               <a:t>JAVA</a:t>
             </a:r>
             <a:r>
-              <a:rPr lang="ko-KR" altLang="en-US" sz="1100" dirty="0" smtClean="0">
+              <a:rPr lang="ko-KR" altLang="en-US" sz="1100" dirty="0">
                 <a:latin typeface="+mn-ea"/>
               </a:rPr>
               <a:t>언어를 </a:t>
             </a:r>
             <a:r>
-              <a:rPr lang="ko-KR" altLang="en-US" sz="1100" smtClean="0">
+              <a:rPr lang="ko-KR" altLang="en-US" sz="1100">
                 <a:latin typeface="+mn-ea"/>
               </a:rPr>
               <a:t>이용하여 프로그램를 </a:t>
             </a:r>
             <a:r>
-              <a:rPr lang="ko-KR" altLang="en-US" sz="1100" dirty="0" smtClean="0">
+              <a:rPr lang="ko-KR" altLang="en-US" sz="1100" dirty="0">
                 <a:latin typeface="+mn-ea"/>
               </a:rPr>
               <a:t>작성하고</a:t>
             </a:r>
             <a:r>
-              <a:rPr lang="en-US" altLang="ko-KR" sz="1100" smtClean="0">
+              <a:rPr lang="en-US" altLang="ko-KR" sz="1100">
                 <a:latin typeface="+mn-ea"/>
               </a:rPr>
               <a:t>, </a:t>
             </a:r>
             <a:r>
-              <a:rPr lang="ko-KR" altLang="en-US" sz="1100" smtClean="0">
+              <a:rPr lang="ko-KR" altLang="en-US" sz="1100">
                 <a:latin typeface="+mn-ea"/>
               </a:rPr>
               <a:t>출력객체</a:t>
             </a:r>
             <a:r>
-              <a:rPr lang="en-US" altLang="ko-KR" sz="1100" smtClean="0">
+              <a:rPr lang="en-US" altLang="ko-KR" sz="1100">
                 <a:latin typeface="+mn-ea"/>
               </a:rPr>
               <a:t>(PrintWriter</a:t>
             </a:r>
             <a:r>
-              <a:rPr lang="ko-KR" altLang="en-US" sz="1100" smtClean="0">
+              <a:rPr lang="ko-KR" altLang="en-US" sz="1100">
                 <a:latin typeface="+mn-ea"/>
               </a:rPr>
               <a:t>객체</a:t>
             </a:r>
             <a:r>
-              <a:rPr lang="en-US" altLang="ko-KR" sz="1100" smtClean="0">
+              <a:rPr lang="en-US" altLang="ko-KR" sz="1100">
                 <a:latin typeface="+mn-ea"/>
               </a:rPr>
               <a:t>)</a:t>
             </a:r>
             <a:r>
-              <a:rPr lang="ko-KR" altLang="en-US" sz="1100" smtClean="0">
+              <a:rPr lang="ko-KR" altLang="en-US" sz="1100">
                 <a:latin typeface="+mn-ea"/>
               </a:rPr>
               <a:t>를 </a:t>
             </a:r>
             <a:r>
-              <a:rPr lang="ko-KR" altLang="en-US" sz="1100" dirty="0" smtClean="0">
+              <a:rPr lang="ko-KR" altLang="en-US" sz="1100" dirty="0">
                 <a:latin typeface="+mn-ea"/>
               </a:rPr>
               <a:t>이용하여 </a:t>
             </a:r>
             <a:r>
-              <a:rPr lang="en-US" altLang="ko-KR" sz="1100" dirty="0" smtClean="0">
+              <a:rPr lang="en-US" altLang="ko-KR" sz="1100" dirty="0">
                 <a:latin typeface="+mn-ea"/>
               </a:rPr>
               <a:t>HTML</a:t>
             </a:r>
             <a:r>
-              <a:rPr lang="ko-KR" altLang="en-US" sz="1100" dirty="0" smtClean="0">
+              <a:rPr lang="ko-KR" altLang="en-US" sz="1100" dirty="0">
                 <a:latin typeface="+mn-ea"/>
               </a:rPr>
               <a:t>코드를 삽입하였습니다</a:t>
             </a:r>
             <a:r>
-              <a:rPr lang="en-US" altLang="ko-KR" sz="1100" dirty="0" smtClean="0">
+              <a:rPr lang="en-US" altLang="ko-KR" sz="1100" dirty="0">
                 <a:latin typeface="+mn-ea"/>
               </a:rPr>
               <a:t>.</a:t>
@@ -4542,55 +4451,55 @@
           </a:p>
           <a:p>
             <a:r>
-              <a:rPr lang="en-US" altLang="ko-KR" sz="1100" dirty="0" smtClean="0">
+              <a:rPr lang="en-US" altLang="ko-KR" sz="1100" dirty="0">
                 <a:latin typeface="+mn-ea"/>
               </a:rPr>
               <a:t>JSP</a:t>
             </a:r>
             <a:r>
-              <a:rPr lang="ko-KR" altLang="en-US" sz="1100" dirty="0" smtClean="0">
+              <a:rPr lang="ko-KR" altLang="en-US" sz="1100" dirty="0">
                 <a:latin typeface="+mn-ea"/>
               </a:rPr>
               <a:t>는 </a:t>
             </a:r>
             <a:r>
-              <a:rPr lang="en-US" altLang="ko-KR" sz="1100" dirty="0" smtClean="0">
+              <a:rPr lang="en-US" altLang="ko-KR" sz="1100" dirty="0">
                 <a:latin typeface="+mn-ea"/>
               </a:rPr>
               <a:t>Servlet</a:t>
             </a:r>
             <a:r>
-              <a:rPr lang="ko-KR" altLang="en-US" sz="1100" dirty="0" smtClean="0">
+              <a:rPr lang="ko-KR" altLang="en-US" sz="1100" dirty="0">
                 <a:latin typeface="+mn-ea"/>
               </a:rPr>
               <a:t>과 반대로 </a:t>
             </a:r>
             <a:r>
-              <a:rPr lang="en-US" altLang="ko-KR" sz="1100" dirty="0" smtClean="0">
+              <a:rPr lang="en-US" altLang="ko-KR" sz="1100" dirty="0">
                 <a:latin typeface="+mn-ea"/>
               </a:rPr>
               <a:t>HTML</a:t>
             </a:r>
             <a:r>
-              <a:rPr lang="ko-KR" altLang="en-US" sz="1100" dirty="0" smtClean="0">
+              <a:rPr lang="ko-KR" altLang="en-US" sz="1100" dirty="0">
                 <a:latin typeface="+mn-ea"/>
               </a:rPr>
               <a:t>코드에 </a:t>
             </a:r>
             <a:r>
-              <a:rPr lang="en-US" altLang="ko-KR" sz="1100" dirty="0" smtClean="0">
+              <a:rPr lang="en-US" altLang="ko-KR" sz="1100" dirty="0">
                 <a:latin typeface="+mn-ea"/>
               </a:rPr>
               <a:t>JAVA</a:t>
             </a:r>
             <a:r>
-              <a:rPr lang="ko-KR" altLang="en-US" sz="1100" dirty="0" smtClean="0">
+              <a:rPr lang="ko-KR" altLang="en-US" sz="1100" dirty="0">
                 <a:latin typeface="+mn-ea"/>
               </a:rPr>
               <a:t>언어를 삽입하여 동적 문서를 만들 수 있습니다</a:t>
             </a:r>
             <a:r>
-              <a:rPr lang="en-US" altLang="ko-KR" sz="1100" dirty="0" smtClean="0">
+              <a:rPr lang="en-US" altLang="ko-KR" sz="1100" dirty="0">
                 <a:latin typeface="+mn-ea"/>
               </a:rPr>
               <a:t>.</a:t>
@@ -4598,49 +4507,49 @@
           </a:p>
           <a:p>
             <a:r>
-              <a:rPr lang="en-US" altLang="ko-KR" sz="1100" dirty="0" smtClean="0">
+              <a:rPr lang="en-US" altLang="ko-KR" sz="1100" dirty="0">
                 <a:latin typeface="+mn-ea"/>
               </a:rPr>
               <a:t>HTML</a:t>
             </a:r>
             <a:r>
-              <a:rPr lang="ko-KR" altLang="en-US" sz="1100" dirty="0" err="1" smtClean="0">
+              <a:rPr lang="ko-KR" altLang="en-US" sz="1100" dirty="0" err="1">
                 <a:latin typeface="+mn-ea"/>
               </a:rPr>
               <a:t>코드안에</a:t>
             </a:r>
             <a:r>
-              <a:rPr lang="ko-KR" altLang="en-US" sz="1100" dirty="0" smtClean="0">
+              <a:rPr lang="ko-KR" altLang="en-US" sz="1100" dirty="0">
                 <a:latin typeface="+mn-ea"/>
               </a:rPr>
               <a:t> </a:t>
             </a:r>
             <a:r>
-              <a:rPr lang="en-US" altLang="ko-KR" sz="1100" dirty="0" smtClean="0">
+              <a:rPr lang="en-US" altLang="ko-KR" sz="1100" dirty="0">
                 <a:latin typeface="+mn-ea"/>
               </a:rPr>
               <a:t>JAVA</a:t>
             </a:r>
             <a:r>
-              <a:rPr lang="ko-KR" altLang="en-US" sz="1100" dirty="0" smtClean="0">
+              <a:rPr lang="ko-KR" altLang="en-US" sz="1100" dirty="0">
                 <a:latin typeface="+mn-ea"/>
               </a:rPr>
               <a:t>코드를 삽입하기 위해서는 태그를 이용해야 하며</a:t>
             </a:r>
             <a:r>
-              <a:rPr lang="en-US" altLang="ko-KR" sz="1100" dirty="0" smtClean="0">
+              <a:rPr lang="en-US" altLang="ko-KR" sz="1100" dirty="0">
                 <a:latin typeface="+mn-ea"/>
               </a:rPr>
               <a:t>, </a:t>
             </a:r>
             <a:r>
-              <a:rPr lang="ko-KR" altLang="en-US" sz="1100" dirty="0" smtClean="0">
+              <a:rPr lang="ko-KR" altLang="en-US" sz="1100" dirty="0">
                 <a:latin typeface="+mn-ea"/>
               </a:rPr>
               <a:t>이러한 태그를 공부해야 합니다</a:t>
             </a:r>
             <a:r>
-              <a:rPr lang="en-US" altLang="ko-KR" sz="1100" dirty="0" smtClean="0">
+              <a:rPr lang="en-US" altLang="ko-KR" sz="1100" dirty="0">
                 <a:latin typeface="+mn-ea"/>
               </a:rPr>
               <a:t>.</a:t>
@@ -4671,18 +4580,18 @@
           <a:lstStyle/>
           <a:p>
             <a:r>
-              <a:rPr lang="en-US" altLang="ko-KR" sz="1100" dirty="0" smtClean="0">
+              <a:rPr lang="en-US" altLang="ko-KR" sz="1100" dirty="0">
                 <a:latin typeface="+mn-ea"/>
               </a:rPr>
               <a:t>JSP</a:t>
             </a:r>
             <a:r>
-              <a:rPr lang="ko-KR" altLang="en-US" sz="1100" dirty="0" smtClean="0">
+              <a:rPr lang="ko-KR" altLang="en-US" sz="1100" dirty="0">
                 <a:latin typeface="+mn-ea"/>
               </a:rPr>
               <a:t>태그 종류</a:t>
             </a:r>
-            <a:endParaRPr lang="en-US" altLang="ko-KR" sz="1100" dirty="0" smtClean="0">
+            <a:endParaRPr lang="en-US" altLang="ko-KR" sz="1100" dirty="0">
               <a:latin typeface="+mn-ea"/>
             </a:endParaRPr>
           </a:p>
@@ -4762,36 +4671,36 @@
           <a:lstStyle/>
           <a:p>
             <a:r>
-              <a:rPr lang="ko-KR" altLang="en-US" dirty="0" smtClean="0">
+              <a:rPr lang="ko-KR" altLang="en-US" dirty="0">
                 <a:latin typeface="+mn-ea"/>
               </a:rPr>
               <a:t>지시자</a:t>
             </a:r>
             <a:r>
-              <a:rPr lang="en-US" altLang="ko-KR" dirty="0" smtClean="0">
+              <a:rPr lang="en-US" altLang="ko-KR" dirty="0">
                 <a:latin typeface="+mn-ea"/>
               </a:rPr>
               <a:t>	: &lt;%@	   %&gt;	: </a:t>
             </a:r>
             <a:r>
-              <a:rPr lang="ko-KR" altLang="en-US" dirty="0" smtClean="0">
+              <a:rPr lang="ko-KR" altLang="en-US" dirty="0">
                 <a:latin typeface="+mn-ea"/>
               </a:rPr>
               <a:t>페이지 속성</a:t>
             </a:r>
-            <a:endParaRPr lang="en-US" altLang="ko-KR" dirty="0" smtClean="0">
+            <a:endParaRPr lang="en-US" altLang="ko-KR" dirty="0">
               <a:latin typeface="+mn-ea"/>
             </a:endParaRPr>
           </a:p>
           <a:p>
             <a:r>
-              <a:rPr lang="ko-KR" altLang="en-US" dirty="0" smtClean="0">
+              <a:rPr lang="ko-KR" altLang="en-US" dirty="0">
                 <a:latin typeface="+mn-ea"/>
               </a:rPr>
               <a:t>주석</a:t>
             </a:r>
             <a:r>
-              <a:rPr lang="en-US" altLang="ko-KR" dirty="0" smtClean="0">
+              <a:rPr lang="en-US" altLang="ko-KR" dirty="0">
                 <a:latin typeface="+mn-ea"/>
               </a:rPr>
               <a:t>	: &lt;%--	 --%&gt;</a:t>
@@ -4799,48 +4708,48 @@
           </a:p>
           <a:p>
             <a:r>
-              <a:rPr lang="ko-KR" altLang="en-US" dirty="0" smtClean="0">
+              <a:rPr lang="ko-KR" altLang="en-US" dirty="0">
                 <a:latin typeface="+mn-ea"/>
               </a:rPr>
               <a:t>선언</a:t>
             </a:r>
             <a:r>
-              <a:rPr lang="en-US" altLang="ko-KR" dirty="0" smtClean="0">
+              <a:rPr lang="en-US" altLang="ko-KR" dirty="0">
                 <a:latin typeface="+mn-ea"/>
               </a:rPr>
               <a:t>	: &lt;%!	   %&gt;	: </a:t>
             </a:r>
             <a:r>
-              <a:rPr lang="ko-KR" altLang="en-US" dirty="0" smtClean="0">
+              <a:rPr lang="ko-KR" altLang="en-US" dirty="0">
                 <a:latin typeface="+mn-ea"/>
               </a:rPr>
               <a:t>변수</a:t>
             </a:r>
             <a:r>
-              <a:rPr lang="en-US" altLang="ko-KR" dirty="0" smtClean="0">
+              <a:rPr lang="en-US" altLang="ko-KR" dirty="0">
                 <a:latin typeface="+mn-ea"/>
               </a:rPr>
               <a:t>, </a:t>
             </a:r>
             <a:r>
-              <a:rPr lang="ko-KR" altLang="en-US" dirty="0" err="1" smtClean="0">
+              <a:rPr lang="ko-KR" altLang="en-US" dirty="0" err="1">
                 <a:latin typeface="+mn-ea"/>
               </a:rPr>
               <a:t>메소드</a:t>
             </a:r>
             <a:r>
-              <a:rPr lang="ko-KR" altLang="en-US" dirty="0" smtClean="0">
+              <a:rPr lang="ko-KR" altLang="en-US" dirty="0">
                 <a:latin typeface="+mn-ea"/>
               </a:rPr>
               <a:t> 선언</a:t>
             </a:r>
-            <a:endParaRPr lang="en-US" altLang="ko-KR" dirty="0" smtClean="0">
+            <a:endParaRPr lang="en-US" altLang="ko-KR" dirty="0">
               <a:latin typeface="+mn-ea"/>
             </a:endParaRPr>
           </a:p>
           <a:p>
             <a:r>
-              <a:rPr lang="ko-KR" altLang="en-US" dirty="0" err="1" smtClean="0">
+              <a:rPr lang="ko-KR" altLang="en-US" dirty="0" err="1">
                 <a:latin typeface="+mn-ea"/>
               </a:rPr>
               <a:t>표현식</a:t>
@@ -4849,98 +4758,92 @@
               <a:rPr lang="en-US" altLang="ko-KR" dirty="0">
                 <a:latin typeface="+mn-ea"/>
               </a:rPr>
-              <a:t>	</a:t>
-            </a:r>
-            <a:r>
-              <a:rPr lang="en-US" altLang="ko-KR" dirty="0" smtClean="0">
-                <a:latin typeface="+mn-ea"/>
-              </a:rPr>
-              <a:t>: &lt;%=	   %&gt;	: </a:t>
-            </a:r>
-            <a:r>
-              <a:rPr lang="ko-KR" altLang="en-US" dirty="0" smtClean="0">
+              <a:t>	: &lt;%=	   %&gt;	: </a:t>
+            </a:r>
+            <a:r>
+              <a:rPr lang="ko-KR" altLang="en-US" dirty="0">
                 <a:latin typeface="+mn-ea"/>
               </a:rPr>
               <a:t>결과값 출력</a:t>
             </a:r>
-            <a:endParaRPr lang="en-US" altLang="ko-KR" dirty="0" smtClean="0">
+            <a:endParaRPr lang="en-US" altLang="ko-KR" dirty="0">
               <a:latin typeface="+mn-ea"/>
             </a:endParaRPr>
           </a:p>
           <a:p>
             <a:r>
-              <a:rPr lang="ko-KR" altLang="en-US" dirty="0" err="1" smtClean="0">
+              <a:rPr lang="ko-KR" altLang="en-US" dirty="0" err="1">
                 <a:latin typeface="+mn-ea"/>
               </a:rPr>
               <a:t>스크립트릿</a:t>
             </a:r>
             <a:r>
-              <a:rPr lang="ko-KR" altLang="en-US" dirty="0" smtClean="0">
+              <a:rPr lang="ko-KR" altLang="en-US" dirty="0">
                 <a:latin typeface="+mn-ea"/>
               </a:rPr>
               <a:t> </a:t>
             </a:r>
             <a:r>
-              <a:rPr lang="en-US" altLang="ko-KR" dirty="0" smtClean="0">
+              <a:rPr lang="en-US" altLang="ko-KR" dirty="0">
                 <a:latin typeface="+mn-ea"/>
               </a:rPr>
               <a:t>: &lt;%	   %&gt;	: JAVA </a:t>
             </a:r>
             <a:r>
-              <a:rPr lang="ko-KR" altLang="en-US" dirty="0" smtClean="0">
+              <a:rPr lang="ko-KR" altLang="en-US" dirty="0">
                 <a:latin typeface="+mn-ea"/>
               </a:rPr>
               <a:t>코드</a:t>
             </a:r>
-            <a:endParaRPr lang="en-US" altLang="ko-KR" dirty="0" smtClean="0">
+            <a:endParaRPr lang="en-US" altLang="ko-KR" dirty="0">
               <a:latin typeface="+mn-ea"/>
             </a:endParaRPr>
           </a:p>
           <a:p>
             <a:r>
-              <a:rPr lang="ko-KR" altLang="en-US" smtClean="0">
+              <a:rPr lang="ko-KR" altLang="en-US">
                 <a:latin typeface="+mn-ea"/>
               </a:rPr>
               <a:t>액션태그</a:t>
             </a:r>
             <a:r>
-              <a:rPr lang="en-US" altLang="ko-KR" smtClean="0">
+              <a:rPr lang="en-US" altLang="ko-KR">
                 <a:latin typeface="+mn-ea"/>
               </a:rPr>
               <a:t>    </a:t>
             </a:r>
             <a:r>
-              <a:rPr lang="en-US" altLang="ko-KR" dirty="0" smtClean="0">
+              <a:rPr lang="en-US" altLang="ko-KR" dirty="0">
                 <a:latin typeface="+mn-ea"/>
               </a:rPr>
               <a:t>: &lt;</a:t>
             </a:r>
             <a:r>
-              <a:rPr lang="en-US" altLang="ko-KR" dirty="0" err="1" smtClean="0">
+              <a:rPr lang="en-US" altLang="ko-KR" dirty="0" err="1">
                 <a:latin typeface="+mn-ea"/>
               </a:rPr>
               <a:t>jsp:action</a:t>
             </a:r>
             <a:r>
-              <a:rPr lang="en-US" altLang="ko-KR" dirty="0" smtClean="0">
+              <a:rPr lang="en-US" altLang="ko-KR" dirty="0">
                 <a:latin typeface="+mn-ea"/>
               </a:rPr>
               <a:t>&gt;	 &lt;/</a:t>
             </a:r>
             <a:r>
-              <a:rPr lang="en-US" altLang="ko-KR" dirty="0" err="1" smtClean="0">
+              <a:rPr lang="en-US" altLang="ko-KR" dirty="0" err="1">
                 <a:latin typeface="+mn-ea"/>
               </a:rPr>
               <a:t>jsp:action</a:t>
             </a:r>
             <a:r>
-              <a:rPr lang="en-US" altLang="ko-KR" dirty="0" smtClean="0">
+              <a:rPr lang="en-US" altLang="ko-KR" dirty="0">
                 <a:latin typeface="+mn-ea"/>
               </a:rPr>
               <a:t>&gt; : </a:t>
             </a:r>
             <a:r>
-              <a:rPr lang="ko-KR" altLang="en-US" dirty="0" err="1" smtClean="0">
+              <a:rPr lang="ko-KR" altLang="en-US" dirty="0" err="1">
                 <a:latin typeface="+mn-ea"/>
               </a:rPr>
               <a:t>자바빈</a:t>
@@ -4952,14 +4855,11 @@
               <a:t> </a:t>
             </a:r>
             <a:r>
-              <a:rPr lang="ko-KR" altLang="en-US" dirty="0" smtClean="0">
+              <a:rPr lang="ko-KR" altLang="en-US" dirty="0">
                 <a:latin typeface="+mn-ea"/>
               </a:rPr>
               <a:t>연결</a:t>
             </a:r>
-            <a:endParaRPr lang="ko-KR" altLang="en-US" dirty="0">
-              <a:latin typeface="+mn-ea"/>
-            </a:endParaRPr>
           </a:p>
         </p:txBody>
       </p:sp>
@@ -4973,13 +4873,6 @@
   <p:clrMapOvr>
     <a:masterClrMapping/>
   </p:clrMapOvr>
-  <p:timing>
-    <p:tnLst>
-      <p:par>
-        <p:cTn id="1" dur="indefinite" restart="never" nodeType="tmRoot"/>
-      </p:par>
-    </p:tnLst>
-  </p:timing>
 </p:sld>
 </file>
 
@@ -5023,7 +4916,7 @@
           <a:lstStyle/>
           <a:p>
             <a:r>
-              <a:rPr lang="en-US" altLang="ko-KR" sz="1600" b="1" kern="1200" dirty="0" smtClean="0">
+              <a:rPr lang="en-US" altLang="ko-KR" sz="1600" b="1" kern="1200" dirty="0">
                 <a:solidFill>
                   <a:schemeClr val="tx1"/>
                 </a:solidFill>
@@ -5034,7 +4927,7 @@
               <a:t>9-2.</a:t>
             </a:r>
             <a:r>
-              <a:rPr lang="en-US" altLang="ko-KR" sz="1600" b="1" kern="1200" baseline="0" dirty="0" smtClean="0">
+              <a:rPr lang="en-US" altLang="ko-KR" sz="1600" b="1" kern="1200" baseline="0" dirty="0">
                 <a:solidFill>
                   <a:schemeClr val="tx1"/>
                 </a:solidFill>
@@ -5051,7 +4944,7 @@
               <a:t>JSP </a:t>
             </a:r>
             <a:r>
-              <a:rPr lang="ko-KR" altLang="en-US" sz="1600" b="1" dirty="0" smtClean="0">
+              <a:rPr lang="ko-KR" altLang="en-US" sz="1600" b="1" dirty="0">
                 <a:latin typeface="+mn-ea"/>
               </a:rPr>
               <a:t>동작 원리</a:t>
@@ -5148,31 +5041,31 @@
           <a:lstStyle/>
           <a:p>
             <a:r>
-              <a:rPr lang="en-US" altLang="ko-KR" sz="1100" dirty="0" smtClean="0">
+              <a:rPr lang="en-US" altLang="ko-KR" sz="1100" dirty="0">
                 <a:latin typeface="+mn-ea"/>
               </a:rPr>
               <a:t>JSP</a:t>
             </a:r>
             <a:r>
-              <a:rPr lang="ko-KR" altLang="en-US" sz="1100" dirty="0" smtClean="0">
+              <a:rPr lang="ko-KR" altLang="en-US" sz="1100" dirty="0">
                 <a:latin typeface="+mn-ea"/>
               </a:rPr>
               <a:t>가 요청되어 응답하기까지의 과정을 이해하면</a:t>
             </a:r>
             <a:r>
-              <a:rPr lang="en-US" altLang="ko-KR" sz="1100" dirty="0" smtClean="0">
+              <a:rPr lang="en-US" altLang="ko-KR" sz="1100" dirty="0">
                 <a:latin typeface="+mn-ea"/>
               </a:rPr>
               <a:t>, </a:t>
             </a:r>
             <a:r>
-              <a:rPr lang="ko-KR" altLang="en-US" sz="1100" dirty="0" smtClean="0">
+              <a:rPr lang="ko-KR" altLang="en-US" sz="1100" dirty="0">
                 <a:latin typeface="+mn-ea"/>
               </a:rPr>
               <a:t>개발에 많은 도움이 됩니다</a:t>
             </a:r>
             <a:r>
-              <a:rPr lang="en-US" altLang="ko-KR" sz="1100" dirty="0" smtClean="0">
+              <a:rPr lang="en-US" altLang="ko-KR" sz="1100" dirty="0">
                 <a:latin typeface="+mn-ea"/>
               </a:rPr>
               <a:t>.</a:t>
@@ -5183,13 +5076,7 @@
               <a:rPr lang="en-US" altLang="ko-KR" sz="1100" dirty="0">
                 <a:latin typeface="+mn-ea"/>
               </a:rPr>
-              <a:t>(</a:t>
-            </a:r>
-            <a:r>
-              <a:rPr lang="en-US" altLang="ko-KR" sz="1100" dirty="0" smtClean="0">
-                <a:latin typeface="+mn-ea"/>
-              </a:rPr>
-              <a:t>jsp_9_2_ex1_jsparchex)</a:t>
+              <a:t>(jsp_9_2_ex1_jsparchex)</a:t>
             </a:r>
           </a:p>
         </p:txBody>
@@ -5217,85 +5104,85 @@
           <a:lstStyle/>
           <a:p>
             <a:r>
-              <a:rPr lang="ko-KR" altLang="en-US" sz="1100" dirty="0" smtClean="0">
+              <a:rPr lang="ko-KR" altLang="en-US" sz="1100" dirty="0">
                 <a:latin typeface="+mn-ea"/>
               </a:rPr>
               <a:t>클라이언트가 </a:t>
             </a:r>
             <a:r>
-              <a:rPr lang="ko-KR" altLang="en-US" sz="1100" dirty="0" err="1" smtClean="0">
+              <a:rPr lang="ko-KR" altLang="en-US" sz="1100" dirty="0" err="1">
                 <a:latin typeface="+mn-ea"/>
               </a:rPr>
               <a:t>웹브라우저로</a:t>
             </a:r>
             <a:r>
-              <a:rPr lang="ko-KR" altLang="en-US" sz="1100" dirty="0" smtClean="0">
+              <a:rPr lang="ko-KR" altLang="en-US" sz="1100" dirty="0">
                 <a:latin typeface="+mn-ea"/>
               </a:rPr>
               <a:t> </a:t>
             </a:r>
             <a:r>
-              <a:rPr lang="en-US" altLang="ko-KR" sz="1100" dirty="0" err="1" smtClean="0">
+              <a:rPr lang="en-US" altLang="ko-KR" sz="1100" dirty="0" err="1">
                 <a:latin typeface="+mn-ea"/>
               </a:rPr>
               <a:t>helloWorld.jsp</a:t>
             </a:r>
             <a:r>
-              <a:rPr lang="ko-KR" altLang="en-US" sz="1100" dirty="0" smtClean="0">
+              <a:rPr lang="ko-KR" altLang="en-US" sz="1100" dirty="0">
                 <a:latin typeface="+mn-ea"/>
               </a:rPr>
               <a:t>를 요청하게 되면 </a:t>
             </a:r>
             <a:r>
-              <a:rPr lang="en-US" altLang="ko-KR" sz="1100" dirty="0" smtClean="0">
+              <a:rPr lang="en-US" altLang="ko-KR" sz="1100" dirty="0">
                 <a:latin typeface="+mn-ea"/>
               </a:rPr>
               <a:t>JSP</a:t>
             </a:r>
             <a:r>
-              <a:rPr lang="ko-KR" altLang="en-US" sz="1100" dirty="0" smtClean="0">
+              <a:rPr lang="ko-KR" altLang="en-US" sz="1100" dirty="0">
                 <a:latin typeface="+mn-ea"/>
               </a:rPr>
               <a:t>컨테이너가 </a:t>
             </a:r>
             <a:r>
-              <a:rPr lang="en-US" altLang="ko-KR" sz="1100" dirty="0" smtClean="0">
+              <a:rPr lang="en-US" altLang="ko-KR" sz="1100" dirty="0">
                 <a:latin typeface="+mn-ea"/>
               </a:rPr>
               <a:t>JSP</a:t>
             </a:r>
             <a:r>
-              <a:rPr lang="ko-KR" altLang="en-US" sz="1100" dirty="0" smtClean="0">
+              <a:rPr lang="ko-KR" altLang="en-US" sz="1100" dirty="0">
                 <a:latin typeface="+mn-ea"/>
               </a:rPr>
               <a:t>파일을 </a:t>
             </a:r>
             <a:r>
-              <a:rPr lang="en-US" altLang="ko-KR" sz="1100" dirty="0" smtClean="0">
+              <a:rPr lang="en-US" altLang="ko-KR" sz="1100" dirty="0">
                 <a:latin typeface="+mn-ea"/>
               </a:rPr>
               <a:t>Servlet</a:t>
             </a:r>
             <a:r>
-              <a:rPr lang="ko-KR" altLang="en-US" sz="1100" dirty="0" smtClean="0">
+              <a:rPr lang="ko-KR" altLang="en-US" sz="1100" dirty="0">
                 <a:latin typeface="+mn-ea"/>
               </a:rPr>
               <a:t>파일</a:t>
             </a:r>
             <a:r>
-              <a:rPr lang="en-US" altLang="ko-KR" sz="1100" dirty="0" smtClean="0">
+              <a:rPr lang="en-US" altLang="ko-KR" sz="1100" dirty="0">
                 <a:latin typeface="+mn-ea"/>
               </a:rPr>
               <a:t>(.java)</a:t>
             </a:r>
             <a:r>
-              <a:rPr lang="ko-KR" altLang="en-US" sz="1100" dirty="0" smtClean="0">
+              <a:rPr lang="ko-KR" altLang="en-US" sz="1100" dirty="0">
                 <a:latin typeface="+mn-ea"/>
               </a:rPr>
               <a:t>로 변환합니다</a:t>
             </a:r>
             <a:r>
-              <a:rPr lang="en-US" altLang="ko-KR" sz="1100" dirty="0" smtClean="0">
+              <a:rPr lang="en-US" altLang="ko-KR" sz="1100" dirty="0">
                 <a:latin typeface="+mn-ea"/>
               </a:rPr>
               <a:t>.</a:t>
@@ -5303,84 +5190,84 @@
           </a:p>
           <a:p>
             <a:r>
-              <a:rPr lang="ko-KR" altLang="en-US" sz="1100" dirty="0" smtClean="0">
+              <a:rPr lang="ko-KR" altLang="en-US" sz="1100" dirty="0">
                 <a:latin typeface="+mn-ea"/>
               </a:rPr>
               <a:t>그리고 </a:t>
             </a:r>
             <a:r>
-              <a:rPr lang="en-US" altLang="ko-KR" sz="1100" dirty="0" smtClean="0">
+              <a:rPr lang="en-US" altLang="ko-KR" sz="1100" dirty="0">
                 <a:latin typeface="+mn-ea"/>
               </a:rPr>
               <a:t>Servlet</a:t>
             </a:r>
             <a:r>
-              <a:rPr lang="ko-KR" altLang="en-US" sz="1100" dirty="0" smtClean="0">
+              <a:rPr lang="ko-KR" altLang="en-US" sz="1100" dirty="0">
                 <a:latin typeface="+mn-ea"/>
               </a:rPr>
               <a:t>파일</a:t>
             </a:r>
             <a:r>
-              <a:rPr lang="en-US" altLang="ko-KR" sz="1100" dirty="0" smtClean="0">
+              <a:rPr lang="en-US" altLang="ko-KR" sz="1100" dirty="0">
                 <a:latin typeface="+mn-ea"/>
               </a:rPr>
               <a:t>(.java)</a:t>
             </a:r>
             <a:r>
-              <a:rPr lang="ko-KR" altLang="en-US" sz="1100" dirty="0" smtClean="0">
+              <a:rPr lang="ko-KR" altLang="en-US" sz="1100" dirty="0">
                 <a:latin typeface="+mn-ea"/>
               </a:rPr>
               <a:t>은 컴파일 된 후 클래스 파일</a:t>
             </a:r>
             <a:r>
-              <a:rPr lang="en-US" altLang="ko-KR" sz="1100" dirty="0" smtClean="0">
+              <a:rPr lang="en-US" altLang="ko-KR" sz="1100" dirty="0">
                 <a:latin typeface="+mn-ea"/>
               </a:rPr>
               <a:t>(.class)</a:t>
             </a:r>
             <a:r>
-              <a:rPr lang="ko-KR" altLang="en-US" sz="1100" dirty="0" smtClean="0">
+              <a:rPr lang="ko-KR" altLang="en-US" sz="1100" dirty="0">
                 <a:latin typeface="+mn-ea"/>
               </a:rPr>
               <a:t>로 변환되고</a:t>
             </a:r>
             <a:r>
-              <a:rPr lang="en-US" altLang="ko-KR" sz="1100" dirty="0" smtClean="0">
+              <a:rPr lang="en-US" altLang="ko-KR" sz="1100" dirty="0">
                 <a:latin typeface="+mn-ea"/>
               </a:rPr>
               <a:t>, </a:t>
             </a:r>
             <a:r>
-              <a:rPr lang="ko-KR" altLang="en-US" sz="1100" dirty="0" smtClean="0">
+              <a:rPr lang="ko-KR" altLang="en-US" sz="1100" dirty="0">
                 <a:latin typeface="+mn-ea"/>
               </a:rPr>
               <a:t>요청한 클라이언트한테 </a:t>
             </a:r>
             <a:r>
-              <a:rPr lang="en-US" altLang="ko-KR" sz="1100" dirty="0" smtClean="0">
+              <a:rPr lang="en-US" altLang="ko-KR" sz="1100" dirty="0">
                 <a:latin typeface="+mn-ea"/>
               </a:rPr>
               <a:t>html</a:t>
             </a:r>
             <a:r>
-              <a:rPr lang="ko-KR" altLang="en-US" sz="1100" dirty="0" smtClean="0">
+              <a:rPr lang="ko-KR" altLang="en-US" sz="1100" dirty="0">
                 <a:latin typeface="+mn-ea"/>
               </a:rPr>
               <a:t>파일 형태로 응답 됩니다</a:t>
             </a:r>
             <a:r>
-              <a:rPr lang="en-US" altLang="ko-KR" sz="1100" dirty="0" smtClean="0">
+              <a:rPr lang="en-US" altLang="ko-KR" sz="1100" dirty="0">
                 <a:latin typeface="+mn-ea"/>
               </a:rPr>
               <a:t>.</a:t>
             </a:r>
             <a:r>
-              <a:rPr lang="ko-KR" altLang="en-US" sz="1100" dirty="0" smtClean="0">
+              <a:rPr lang="ko-KR" altLang="en-US" sz="1100" dirty="0">
                 <a:latin typeface="+mn-ea"/>
               </a:rPr>
               <a:t>  </a:t>
             </a:r>
-            <a:endParaRPr lang="en-US" altLang="ko-KR" sz="1100" dirty="0" smtClean="0">
+            <a:endParaRPr lang="en-US" altLang="ko-KR" sz="1100" dirty="0">
               <a:latin typeface="+mn-ea"/>
             </a:endParaRPr>
           </a:p>
@@ -5423,18 +5310,18 @@
           <a:p>
             <a:pPr algn="ctr"/>
             <a:r>
-              <a:rPr lang="ko-KR" altLang="en-US" dirty="0" err="1" smtClean="0">
+              <a:rPr lang="ko-KR" altLang="en-US" dirty="0" err="1">
                 <a:latin typeface="+mn-ea"/>
               </a:rPr>
               <a:t>웹브라우저</a:t>
             </a:r>
             <a:r>
-              <a:rPr lang="ko-KR" altLang="en-US" dirty="0" smtClean="0">
+              <a:rPr lang="ko-KR" altLang="en-US" dirty="0">
                 <a:latin typeface="+mn-ea"/>
               </a:rPr>
               <a:t> 요청</a:t>
             </a:r>
-            <a:endParaRPr lang="en-US" altLang="ko-KR" dirty="0" smtClean="0">
+            <a:endParaRPr lang="en-US" altLang="ko-KR" dirty="0">
               <a:latin typeface="+mn-ea"/>
             </a:endParaRPr>
           </a:p>
@@ -5489,7 +5376,7 @@
           <a:p>
             <a:pPr algn="ctr"/>
             <a:r>
-              <a:rPr lang="en-US" altLang="ko-KR" dirty="0" smtClean="0">
+              <a:rPr lang="en-US" altLang="ko-KR" dirty="0">
                 <a:latin typeface="+mn-ea"/>
               </a:rPr>
               <a:t>JSP &gt;&gt; Servlet </a:t>
@@ -5498,20 +5385,11 @@
           <a:p>
             <a:pPr algn="ctr"/>
             <a:r>
-              <a:rPr lang="en-US" altLang="ko-KR" sz="1200" dirty="0" smtClean="0">
-                <a:latin typeface="+mn-ea"/>
-              </a:rPr>
-              <a:t>helloWorld.js </a:t>
-            </a:r>
-            <a:r>
               <a:rPr lang="en-US" altLang="ko-KR" sz="1200" dirty="0">
                 <a:latin typeface="+mn-ea"/>
               </a:rPr>
-              <a:t>&gt;&gt; helloWorld_jsp.java</a:t>
-            </a:r>
-            <a:endParaRPr lang="en-US" altLang="ko-KR" sz="1200" dirty="0" smtClean="0">
-              <a:latin typeface="+mn-ea"/>
-            </a:endParaRPr>
+              <a:t>helloWorld.js &gt;&gt; helloWorld_jsp.java</a:t>
+            </a:r>
           </a:p>
         </p:txBody>
       </p:sp>
@@ -5552,38 +5430,35 @@
           <a:p>
             <a:pPr algn="ctr"/>
             <a:r>
-              <a:rPr lang="ko-KR" altLang="en-US" dirty="0" err="1" smtClean="0">
+              <a:rPr lang="ko-KR" altLang="en-US" dirty="0" err="1">
                 <a:latin typeface="+mn-ea"/>
               </a:rPr>
               <a:t>웹브라우저</a:t>
             </a:r>
             <a:r>
-              <a:rPr lang="ko-KR" altLang="en-US" dirty="0" smtClean="0">
+              <a:rPr lang="ko-KR" altLang="en-US" dirty="0">
                 <a:latin typeface="+mn-ea"/>
               </a:rPr>
               <a:t> 응답</a:t>
             </a:r>
-            <a:endParaRPr lang="en-US" altLang="ko-KR" dirty="0" smtClean="0">
+            <a:endParaRPr lang="en-US" altLang="ko-KR" dirty="0">
               <a:latin typeface="+mn-ea"/>
             </a:endParaRPr>
           </a:p>
           <a:p>
             <a:pPr algn="ctr"/>
             <a:r>
-              <a:rPr lang="en-US" altLang="ko-KR" sz="1100" dirty="0" smtClean="0">
+              <a:rPr lang="en-US" altLang="ko-KR" sz="1100" dirty="0">
                 <a:latin typeface="+mn-ea"/>
               </a:rPr>
               <a:t>HTML</a:t>
             </a:r>
             <a:r>
-              <a:rPr lang="ko-KR" altLang="en-US" sz="1100" dirty="0" smtClean="0">
+              <a:rPr lang="ko-KR" altLang="en-US" sz="1100" dirty="0">
                 <a:latin typeface="+mn-ea"/>
               </a:rPr>
               <a:t>형태로 응답</a:t>
             </a:r>
-            <a:endParaRPr lang="ko-KR" altLang="en-US" sz="1100" dirty="0">
-              <a:latin typeface="+mn-ea"/>
-            </a:endParaRPr>
           </a:p>
         </p:txBody>
       </p:sp>
@@ -5624,7 +5499,7 @@
           <a:p>
             <a:pPr algn="ctr"/>
             <a:r>
-              <a:rPr lang="en-US" altLang="ko-KR" dirty="0" smtClean="0">
+              <a:rPr lang="en-US" altLang="ko-KR" dirty="0">
                 <a:latin typeface="+mn-ea"/>
               </a:rPr>
               <a:t>Servlet &gt;&gt; class </a:t>
@@ -5633,16 +5508,10 @@
           <a:p>
             <a:pPr algn="ctr"/>
             <a:r>
-              <a:rPr lang="en-US" altLang="ko-KR" sz="1200" dirty="0" smtClean="0">
-                <a:latin typeface="+mn-ea"/>
-              </a:rPr>
-              <a:t>helloWorld_jsp.java </a:t>
-            </a:r>
-            <a:r>
               <a:rPr lang="en-US" altLang="ko-KR" sz="1200" dirty="0">
                 <a:latin typeface="+mn-ea"/>
               </a:rPr>
-              <a:t>&gt;&gt; </a:t>
+              <a:t>helloWorld_jsp.java &gt;&gt; </a:t>
             </a:r>
             <a:r>
               <a:rPr lang="en-US" altLang="ko-KR" sz="1200" dirty="0" err="1">
@@ -5650,7 +5519,7 @@
               </a:rPr>
               <a:t>helloWorld_jsp.class</a:t>
             </a:r>
-            <a:endParaRPr lang="en-US" altLang="ko-KR" sz="1200" dirty="0" smtClean="0">
+            <a:endParaRPr lang="en-US" altLang="ko-KR" sz="1200" dirty="0">
               <a:latin typeface="+mn-ea"/>
             </a:endParaRPr>
           </a:p>
@@ -5860,13 +5729,6 @@
   <p:clrMapOvr>
     <a:masterClrMapping/>
   </p:clrMapOvr>
-  <p:timing>
-    <p:tnLst>
-      <p:par>
-        <p:cTn id="1" dur="indefinite" restart="never" nodeType="tmRoot"/>
-      </p:par>
-    </p:tnLst>
-  </p:timing>
 </p:sld>
 </file>
 
@@ -5910,7 +5772,7 @@
           <a:lstStyle/>
           <a:p>
             <a:r>
-              <a:rPr lang="en-US" altLang="ko-KR" sz="1600" b="1" kern="1200" dirty="0" smtClean="0">
+              <a:rPr lang="en-US" altLang="ko-KR" sz="1600" b="1" kern="1200" dirty="0">
                 <a:solidFill>
                   <a:schemeClr val="tx1"/>
                 </a:solidFill>
@@ -5921,7 +5783,7 @@
               <a:t>9-3.</a:t>
             </a:r>
             <a:r>
-              <a:rPr lang="en-US" altLang="ko-KR" sz="1600" b="1" kern="1200" baseline="0" dirty="0" smtClean="0">
+              <a:rPr lang="en-US" altLang="ko-KR" sz="1600" b="1" kern="1200" baseline="0" dirty="0">
                 <a:solidFill>
                   <a:schemeClr val="tx1"/>
                 </a:solidFill>
@@ -5938,7 +5800,7 @@
               <a:t>JSP </a:t>
             </a:r>
             <a:r>
-              <a:rPr lang="ko-KR" altLang="en-US" sz="1600" b="1" dirty="0" smtClean="0">
+              <a:rPr lang="ko-KR" altLang="en-US" sz="1600" b="1" dirty="0">
                 <a:latin typeface="+mn-ea"/>
               </a:rPr>
               <a:t>내부 객체</a:t>
@@ -6035,13 +5897,13 @@
           <a:lstStyle/>
           <a:p>
             <a:r>
-              <a:rPr lang="ko-KR" altLang="en-US" sz="1100" dirty="0" smtClean="0">
+              <a:rPr lang="ko-KR" altLang="en-US" sz="1100" dirty="0">
                 <a:latin typeface="+mn-ea"/>
               </a:rPr>
               <a:t>개발자가 객체를 생성하지 않고 바로 사용할 수 있는 객체가 내부객체 입니다</a:t>
             </a:r>
             <a:r>
-              <a:rPr lang="en-US" altLang="ko-KR" sz="1100" dirty="0" smtClean="0">
+              <a:rPr lang="en-US" altLang="ko-KR" sz="1100" dirty="0">
                 <a:latin typeface="+mn-ea"/>
               </a:rPr>
               <a:t>.</a:t>
@@ -6049,37 +5911,37 @@
           </a:p>
           <a:p>
             <a:r>
-              <a:rPr lang="en-US" altLang="ko-KR" sz="1100" dirty="0" smtClean="0">
+              <a:rPr lang="en-US" altLang="ko-KR" sz="1100" dirty="0">
                 <a:latin typeface="+mn-ea"/>
               </a:rPr>
               <a:t>JSP</a:t>
             </a:r>
             <a:r>
-              <a:rPr lang="ko-KR" altLang="en-US" sz="1100" dirty="0" smtClean="0">
+              <a:rPr lang="ko-KR" altLang="en-US" sz="1100" dirty="0">
                 <a:latin typeface="+mn-ea"/>
               </a:rPr>
               <a:t>에서 제공되는 내부객체는 </a:t>
             </a:r>
             <a:r>
-              <a:rPr lang="en-US" altLang="ko-KR" sz="1100" dirty="0" smtClean="0">
+              <a:rPr lang="en-US" altLang="ko-KR" sz="1100" dirty="0">
                 <a:latin typeface="+mn-ea"/>
               </a:rPr>
               <a:t>JSP</a:t>
             </a:r>
             <a:r>
-              <a:rPr lang="ko-KR" altLang="en-US" sz="1100" dirty="0" smtClean="0">
+              <a:rPr lang="ko-KR" altLang="en-US" sz="1100" dirty="0">
                 <a:latin typeface="+mn-ea"/>
               </a:rPr>
               <a:t>컨테이너에 의해 </a:t>
             </a:r>
             <a:r>
-              <a:rPr lang="en-US" altLang="ko-KR" sz="1100" dirty="0" smtClean="0">
+              <a:rPr lang="en-US" altLang="ko-KR" sz="1100" dirty="0">
                 <a:latin typeface="+mn-ea"/>
               </a:rPr>
               <a:t>Servlet</a:t>
             </a:r>
             <a:r>
-              <a:rPr lang="ko-KR" altLang="en-US" sz="1100" dirty="0" smtClean="0">
+              <a:rPr lang="ko-KR" altLang="en-US" sz="1100" dirty="0">
                 <a:latin typeface="+mn-ea"/>
               </a:rPr>
               <a:t>으로 변화될 때 자동으로 객체가 생성 됩니다</a:t>
@@ -6090,9 +5952,6 @@
               </a:rPr>
               <a:t>.</a:t>
             </a:r>
-            <a:endParaRPr lang="en-US" altLang="ko-KR" sz="1100" dirty="0" smtClean="0">
-              <a:latin typeface="+mn-ea"/>
-            </a:endParaRPr>
           </a:p>
         </p:txBody>
       </p:sp>
@@ -6119,13 +5978,13 @@
           <a:lstStyle/>
           <a:p>
             <a:r>
-              <a:rPr lang="ko-KR" altLang="en-US" sz="1100" dirty="0" smtClean="0">
+              <a:rPr lang="ko-KR" altLang="en-US" sz="1100" dirty="0">
                 <a:latin typeface="+mn-ea"/>
               </a:rPr>
               <a:t>입출력 객체 </a:t>
             </a:r>
             <a:r>
-              <a:rPr lang="en-US" altLang="ko-KR" sz="1100" dirty="0" smtClean="0">
+              <a:rPr lang="en-US" altLang="ko-KR" sz="1100" dirty="0">
                 <a:latin typeface="+mn-ea"/>
               </a:rPr>
               <a:t>: request, response, out</a:t>
@@ -6133,42 +5992,42 @@
           </a:p>
           <a:p>
             <a:r>
-              <a:rPr lang="ko-KR" altLang="en-US" sz="1100" dirty="0" err="1" smtClean="0">
+              <a:rPr lang="ko-KR" altLang="en-US" sz="1100" dirty="0" err="1">
                 <a:latin typeface="+mn-ea"/>
               </a:rPr>
               <a:t>서블릿</a:t>
             </a:r>
             <a:r>
-              <a:rPr lang="ko-KR" altLang="en-US" sz="1100" dirty="0" smtClean="0">
+              <a:rPr lang="ko-KR" altLang="en-US" sz="1100" dirty="0">
                 <a:latin typeface="+mn-ea"/>
               </a:rPr>
               <a:t> 객체 </a:t>
             </a:r>
             <a:r>
-              <a:rPr lang="en-US" altLang="ko-KR" sz="1100" dirty="0" smtClean="0">
+              <a:rPr lang="en-US" altLang="ko-KR" sz="1100" dirty="0">
                 <a:latin typeface="+mn-ea"/>
               </a:rPr>
               <a:t>: page, </a:t>
             </a:r>
             <a:r>
-              <a:rPr lang="en-US" altLang="ko-KR" sz="1100" dirty="0" err="1" smtClean="0">
+              <a:rPr lang="en-US" altLang="ko-KR" sz="1100" dirty="0" err="1">
                 <a:latin typeface="+mn-ea"/>
               </a:rPr>
               <a:t>config</a:t>
             </a:r>
-            <a:endParaRPr lang="en-US" altLang="ko-KR" sz="1100" dirty="0" smtClean="0">
+            <a:endParaRPr lang="en-US" altLang="ko-KR" sz="1100" dirty="0">
               <a:latin typeface="+mn-ea"/>
             </a:endParaRPr>
           </a:p>
           <a:p>
             <a:r>
-              <a:rPr lang="ko-KR" altLang="en-US" sz="1100" dirty="0" smtClean="0">
+              <a:rPr lang="ko-KR" altLang="en-US" sz="1100" dirty="0">
                 <a:latin typeface="+mn-ea"/>
               </a:rPr>
               <a:t>세션 객체 </a:t>
             </a:r>
             <a:r>
-              <a:rPr lang="en-US" altLang="ko-KR" sz="1100" dirty="0" smtClean="0">
+              <a:rPr lang="en-US" altLang="ko-KR" sz="1100" dirty="0">
                 <a:latin typeface="+mn-ea"/>
               </a:rPr>
               <a:t>: session</a:t>
@@ -6176,13 +6035,13 @@
           </a:p>
           <a:p>
             <a:r>
-              <a:rPr lang="ko-KR" altLang="en-US" sz="1100" dirty="0" smtClean="0">
+              <a:rPr lang="ko-KR" altLang="en-US" sz="1100" dirty="0">
                 <a:latin typeface="+mn-ea"/>
               </a:rPr>
               <a:t>예외 객체 </a:t>
             </a:r>
             <a:r>
-              <a:rPr lang="en-US" altLang="ko-KR" sz="1100" dirty="0" smtClean="0">
+              <a:rPr lang="en-US" altLang="ko-KR" sz="1100" dirty="0">
                 <a:latin typeface="+mn-ea"/>
               </a:rPr>
               <a:t>: exception</a:t>
@@ -6213,50 +6072,53 @@
           <a:lstStyle/>
           <a:p>
             <a:r>
-              <a:rPr lang="ko-KR" altLang="en-US" sz="1100" dirty="0" smtClean="0">
-                <a:latin typeface="+mn-ea"/>
-              </a:rPr>
-              <a:t>내부 </a:t>
-            </a:r>
-            <a:r>
-              <a:rPr lang="ko-KR" altLang="en-US" sz="1100" smtClean="0">
-                <a:latin typeface="+mn-ea"/>
-              </a:rPr>
-              <a:t>객체 </a:t>
-            </a:r>
-            <a:r>
-              <a:rPr lang="ko-KR" altLang="en-US" sz="1100" smtClean="0">
-                <a:latin typeface="+mn-ea"/>
-              </a:rPr>
-              <a:t>종류</a:t>
-            </a:r>
-            <a:r>
-              <a:rPr lang="en-US" altLang="ko-KR" sz="1100" smtClean="0">
+              <a:rPr lang="ko-KR" altLang="en-US" sz="1100" dirty="0">
+                <a:latin typeface="+mn-ea"/>
+              </a:rPr>
+              <a:t>내부 객체 종류</a:t>
+            </a:r>
+            <a:r>
+              <a:rPr lang="en-US" altLang="ko-KR" sz="1100" dirty="0">
                 <a:latin typeface="+mn-ea"/>
               </a:rPr>
               <a:t>(</a:t>
             </a:r>
             <a:r>
-              <a:rPr lang="en-US" altLang="ko-KR" sz="1100" smtClean="0">
+              <a:rPr lang="en-US" altLang="ko-KR" sz="1100" dirty="0" err="1">
                 <a:latin typeface="+mn-ea"/>
               </a:rPr>
               <a:t>jsp</a:t>
             </a:r>
             <a:r>
-              <a:rPr lang="ko-KR" altLang="en-US" sz="1100" smtClean="0">
-                <a:latin typeface="+mn-ea"/>
-              </a:rPr>
-              <a:t>콘테이너가 자동으로 만들어 제공하느 객체들</a:t>
-            </a:r>
-            <a:r>
-              <a:rPr lang="en-US" altLang="ko-KR" sz="1100" smtClean="0">
+              <a:rPr lang="ko-KR" altLang="en-US" sz="1100" dirty="0" err="1">
+                <a:latin typeface="+mn-ea"/>
+              </a:rPr>
+              <a:t>콘테이너가</a:t>
+            </a:r>
+            <a:r>
+              <a:rPr lang="ko-KR" altLang="en-US" sz="1100" dirty="0">
+                <a:latin typeface="+mn-ea"/>
+              </a:rPr>
+              <a:t> 자동으로 </a:t>
+            </a:r>
+            <a:r>
+              <a:rPr lang="ko-KR" altLang="en-US" sz="1100">
+                <a:latin typeface="+mn-ea"/>
+              </a:rPr>
+              <a:t>만들어 제공하는 </a:t>
+            </a:r>
+            <a:r>
+              <a:rPr lang="ko-KR" altLang="en-US" sz="1100" dirty="0">
+                <a:latin typeface="+mn-ea"/>
+              </a:rPr>
+              <a:t>객체들</a:t>
+            </a:r>
+            <a:r>
+              <a:rPr lang="en-US" altLang="ko-KR" sz="1100" dirty="0">
                 <a:latin typeface="+mn-ea"/>
               </a:rPr>
               <a:t>)</a:t>
             </a:r>
-            <a:endParaRPr lang="en-US" altLang="ko-KR" sz="1100" dirty="0" smtClean="0">
-              <a:latin typeface="+mn-ea"/>
-            </a:endParaRPr>
           </a:p>
         </p:txBody>
       </p:sp>
@@ -6308,13 +6170,6 @@
   <p:clrMapOvr>
     <a:masterClrMapping/>
   </p:clrMapOvr>
-  <p:timing>
-    <p:tnLst>
-      <p:par>
-        <p:cTn id="1" dur="indefinite" restart="never" nodeType="tmRoot"/>
-      </p:par>
-    </p:tnLst>
-  </p:timing>
 </p:sld>
 </file>
 
